--- a/PPT/被讨厌的勇气.pptx
+++ b/PPT/被讨厌的勇气.pptx
@@ -5,10 +5,10 @@
     <p:sldMasterId id="2147483648" r:id="rId1"/>
   </p:sldMasterIdLst>
   <p:notesMasterIdLst>
-    <p:notesMasterId r:id="rId7"/>
+    <p:notesMasterId r:id="rId8"/>
   </p:notesMasterIdLst>
   <p:handoutMasterIdLst>
-    <p:handoutMasterId r:id="rId8"/>
+    <p:handoutMasterId r:id="rId9"/>
   </p:handoutMasterIdLst>
   <p:sldIdLst>
     <p:sldId id="256" r:id="rId2"/>
@@ -16,11 +16,12 @@
     <p:sldId id="258" r:id="rId4"/>
     <p:sldId id="259" r:id="rId5"/>
     <p:sldId id="260" r:id="rId6"/>
+    <p:sldId id="261" r:id="rId7"/>
   </p:sldIdLst>
   <p:sldSz cx="12192000" cy="6858000"/>
   <p:notesSz cx="6858000" cy="9144000"/>
   <p:custDataLst>
-    <p:tags r:id="rId9"/>
+    <p:tags r:id="rId10"/>
   </p:custDataLst>
   <p:defaultTextStyle>
     <a:defPPr>
@@ -3290,6 +3291,41 @@
       </p:grpSpPr>
       <p:sp>
         <p:nvSpPr>
+          <p:cNvPr id="26" name="矩形 25"/>
+          <p:cNvSpPr/>
+          <p:nvPr/>
+        </p:nvSpPr>
+        <p:spPr>
+          <a:xfrm>
+            <a:off x="8599186" y="2139246"/>
+            <a:ext cx="2843824" cy="664282"/>
+          </a:xfrm>
+          <a:prstGeom prst="rect">
+            <a:avLst/>
+          </a:prstGeom>
+          <a:solidFill>
+            <a:schemeClr val="tx2">
+              <a:lumMod val="40000"/>
+              <a:lumOff val="60000"/>
+            </a:schemeClr>
+          </a:solidFill>
+        </p:spPr>
+        <p:txBody>
+          <a:bodyPr wrap="square" rtlCol="0">
+            <a:spAutoFit/>
+          </a:bodyPr>
+          <a:lstStyle/>
+          <a:p>
+            <a:r>
+              <a:rPr lang="zh-CN" altLang="en-US" dirty="0"/>
+              <a:t>不能改变是因为常常下定决心“不改变”</a:t>
+            </a:r>
+            <a:endParaRPr lang="zh-CN" altLang="en-US" dirty="0"/>
+          </a:p>
+        </p:txBody>
+      </p:sp>
+      <p:sp>
+        <p:nvSpPr>
           <p:cNvPr id="7" name="文本框 6"/>
           <p:cNvSpPr txBox="1"/>
           <p:nvPr/>
@@ -4235,7 +4271,7 @@
         </p:nvSpPr>
         <p:spPr>
           <a:xfrm>
-            <a:off x="3445727" y="2875002"/>
+            <a:off x="3546088" y="2241324"/>
             <a:ext cx="2921620" cy="646331"/>
           </a:xfrm>
           <a:prstGeom prst="rect">
@@ -4269,7 +4305,7 @@
         </p:nvSpPr>
         <p:spPr>
           <a:xfrm>
-            <a:off x="3390739" y="4137104"/>
+            <a:off x="3741596" y="3401494"/>
             <a:ext cx="2262158" cy="369332"/>
           </a:xfrm>
           <a:prstGeom prst="rect">
@@ -4303,7 +4339,7 @@
         </p:nvSpPr>
         <p:spPr>
           <a:xfrm>
-            <a:off x="7081023" y="4137104"/>
+            <a:off x="7431880" y="3401494"/>
             <a:ext cx="2262158" cy="369332"/>
           </a:xfrm>
           <a:prstGeom prst="rect">
@@ -4331,7 +4367,7 @@
         </p:nvSpPr>
         <p:spPr>
           <a:xfrm>
-            <a:off x="3289610" y="4887566"/>
+            <a:off x="3495906" y="4163641"/>
             <a:ext cx="3412273" cy="646331"/>
           </a:xfrm>
           <a:prstGeom prst="rect">
@@ -4354,6 +4390,101 @@
               <a:rPr lang="zh-CN" altLang="en-US" dirty="0"/>
               <a:t>“重要的不是被给予了什么，而是如何去利用被给予的东西。”</a:t>
             </a:r>
+          </a:p>
+        </p:txBody>
+      </p:sp>
+      <p:sp>
+        <p:nvSpPr>
+          <p:cNvPr id="21" name="矩形 20"/>
+          <p:cNvSpPr/>
+          <p:nvPr/>
+        </p:nvSpPr>
+        <p:spPr>
+          <a:xfrm>
+            <a:off x="3528622" y="5202787"/>
+            <a:ext cx="3416320" cy="369332"/>
+          </a:xfrm>
+          <a:prstGeom prst="rect">
+            <a:avLst/>
+          </a:prstGeom>
+          <a:solidFill>
+            <a:schemeClr val="tx2">
+              <a:lumMod val="40000"/>
+              <a:lumOff val="60000"/>
+            </a:schemeClr>
+          </a:solidFill>
+        </p:spPr>
+        <p:txBody>
+          <a:bodyPr wrap="square" rtlCol="0">
+            <a:spAutoFit/>
+          </a:bodyPr>
+          <a:lstStyle/>
+          <a:p>
+            <a:r>
+              <a:rPr lang="zh-CN" altLang="en-US" dirty="0"/>
+              <a:t>生活方式是自己主动选择的结果</a:t>
+            </a:r>
+          </a:p>
+        </p:txBody>
+      </p:sp>
+      <p:sp>
+        <p:nvSpPr>
+          <p:cNvPr id="22" name="矩形 21"/>
+          <p:cNvSpPr/>
+          <p:nvPr/>
+        </p:nvSpPr>
+        <p:spPr>
+          <a:xfrm>
+            <a:off x="7647910" y="5025910"/>
+            <a:ext cx="4339650" cy="369332"/>
+          </a:xfrm>
+          <a:prstGeom prst="rect">
+            <a:avLst/>
+          </a:prstGeom>
+        </p:spPr>
+        <p:txBody>
+          <a:bodyPr wrap="none">
+            <a:spAutoFit/>
+          </a:bodyPr>
+          <a:lstStyle/>
+          <a:p>
+            <a:r>
+              <a:rPr lang="zh-CN" altLang="en-US" dirty="0" smtClean="0"/>
+              <a:t>不能改变是因为常常</a:t>
+            </a:r>
+            <a:r>
+              <a:rPr lang="zh-CN" altLang="en-US" dirty="0"/>
+              <a:t>下定决心“不改变”</a:t>
+            </a:r>
+          </a:p>
+        </p:txBody>
+      </p:sp>
+      <p:sp>
+        <p:nvSpPr>
+          <p:cNvPr id="23" name="矩形 22"/>
+          <p:cNvSpPr/>
+          <p:nvPr/>
+        </p:nvSpPr>
+        <p:spPr>
+          <a:xfrm>
+            <a:off x="7647910" y="5387453"/>
+            <a:ext cx="2723823" cy="369332"/>
+          </a:xfrm>
+          <a:prstGeom prst="rect">
+            <a:avLst/>
+          </a:prstGeom>
+        </p:spPr>
+        <p:txBody>
+          <a:bodyPr wrap="none">
+            <a:spAutoFit/>
+          </a:bodyPr>
+          <a:lstStyle/>
+          <a:p>
+            <a:r>
+              <a:rPr lang="zh-CN" altLang="en-US" dirty="0" smtClean="0"/>
+              <a:t>改变生活方式，需要勇气</a:t>
+            </a:r>
+            <a:endParaRPr lang="zh-CN" altLang="en-US" dirty="0"/>
           </a:p>
         </p:txBody>
       </p:sp>
@@ -4443,7 +4574,7 @@
         </p:nvSpPr>
         <p:spPr>
           <a:xfrm>
-            <a:off x="3924514" y="1654615"/>
+            <a:off x="3341710" y="1634518"/>
             <a:ext cx="1800493" cy="369332"/>
           </a:xfrm>
           <a:prstGeom prst="rect">
@@ -4472,7 +4603,7 @@
         </p:nvSpPr>
         <p:spPr>
           <a:xfrm>
-            <a:off x="1349298" y="1839281"/>
+            <a:off x="686107" y="3431805"/>
             <a:ext cx="2152185" cy="758953"/>
           </a:xfrm>
           <a:prstGeom prst="roundRect">
@@ -4516,7 +4647,7 @@
         </p:nvSpPr>
         <p:spPr>
           <a:xfrm>
-            <a:off x="3901431" y="2228902"/>
+            <a:off x="3318627" y="2208805"/>
             <a:ext cx="3647152" cy="369332"/>
           </a:xfrm>
           <a:prstGeom prst="rect">
@@ -4544,7 +4675,7 @@
         </p:nvSpPr>
         <p:spPr>
           <a:xfrm>
-            <a:off x="7947023" y="1783860"/>
+            <a:off x="7364219" y="1763763"/>
             <a:ext cx="635620" cy="480173"/>
           </a:xfrm>
           <a:prstGeom prst="rightArrow">
@@ -4584,7 +4715,7 @@
         </p:nvSpPr>
         <p:spPr>
           <a:xfrm>
-            <a:off x="8868074" y="1598189"/>
+            <a:off x="8285270" y="1578092"/>
             <a:ext cx="2954655" cy="369332"/>
           </a:xfrm>
           <a:prstGeom prst="rect">
@@ -4641,7 +4772,7 @@
         </p:nvSpPr>
         <p:spPr>
           <a:xfrm>
-            <a:off x="8868074" y="2151180"/>
+            <a:off x="8285270" y="2131083"/>
             <a:ext cx="3126049" cy="646331"/>
           </a:xfrm>
           <a:prstGeom prst="rect">
@@ -4673,7 +4804,7 @@
         </p:nvSpPr>
         <p:spPr>
           <a:xfrm>
-            <a:off x="8868074" y="2902989"/>
+            <a:off x="8285270" y="2882892"/>
             <a:ext cx="2775272" cy="646331"/>
           </a:xfrm>
           <a:prstGeom prst="rect">
@@ -4705,7 +4836,7 @@
         </p:nvSpPr>
         <p:spPr>
           <a:xfrm>
-            <a:off x="3901431" y="4380249"/>
+            <a:off x="3318627" y="4360152"/>
             <a:ext cx="3647152" cy="369332"/>
           </a:xfrm>
           <a:prstGeom prst="rect">
@@ -4746,7 +4877,7 @@
         </p:nvSpPr>
         <p:spPr>
           <a:xfrm>
-            <a:off x="7947023" y="3811282"/>
+            <a:off x="7364219" y="3791185"/>
             <a:ext cx="3875706" cy="369332"/>
           </a:xfrm>
           <a:prstGeom prst="rect">
@@ -4774,7 +4905,7 @@
         </p:nvSpPr>
         <p:spPr>
           <a:xfrm>
-            <a:off x="7947023" y="4528541"/>
+            <a:off x="7364219" y="4508444"/>
             <a:ext cx="3875706" cy="646331"/>
           </a:xfrm>
           <a:prstGeom prst="rect">
@@ -4810,7 +4941,7 @@
         </p:nvSpPr>
         <p:spPr>
           <a:xfrm>
-            <a:off x="7656844" y="4016075"/>
+            <a:off x="7074040" y="3995978"/>
             <a:ext cx="180870" cy="1024931"/>
           </a:xfrm>
           <a:prstGeom prst="leftBracket">
@@ -5187,6 +5318,844 @@
     <p:extLst>
       <p:ext uri="{BB962C8B-B14F-4D97-AF65-F5344CB8AC3E}">
         <p14:creationId xmlns:p14="http://schemas.microsoft.com/office/powerpoint/2010/main" val="913631306"/>
+      </p:ext>
+    </p:extLst>
+  </p:cSld>
+  <p:clrMapOvr>
+    <a:masterClrMapping/>
+  </p:clrMapOvr>
+</p:sld>
+</file>
+
+<file path=ppt/slides/slide6.xml><?xml version="1.0" encoding="utf-8"?>
+<p:sld xmlns:a="http://schemas.openxmlformats.org/drawingml/2006/main" xmlns:r="http://schemas.openxmlformats.org/officeDocument/2006/relationships" xmlns:p="http://schemas.openxmlformats.org/presentationml/2006/main">
+  <p:cSld>
+    <p:spTree>
+      <p:nvGrpSpPr>
+        <p:cNvPr id="1" name=""/>
+        <p:cNvGrpSpPr/>
+        <p:nvPr/>
+      </p:nvGrpSpPr>
+      <p:grpSpPr>
+        <a:xfrm>
+          <a:off x="0" y="0"/>
+          <a:ext cx="0" cy="0"/>
+          <a:chOff x="0" y="0"/>
+          <a:chExt cx="0" cy="0"/>
+        </a:xfrm>
+      </p:grpSpPr>
+      <p:sp>
+        <p:nvSpPr>
+          <p:cNvPr id="4" name="文本框 3"/>
+          <p:cNvSpPr txBox="1"/>
+          <p:nvPr/>
+        </p:nvSpPr>
+        <p:spPr>
+          <a:xfrm>
+            <a:off x="167268" y="490654"/>
+            <a:ext cx="9400478" cy="584775"/>
+          </a:xfrm>
+          <a:prstGeom prst="rect">
+            <a:avLst/>
+          </a:prstGeom>
+          <a:noFill/>
+        </p:spPr>
+        <p:txBody>
+          <a:bodyPr wrap="square" rtlCol="0">
+            <a:spAutoFit/>
+          </a:bodyPr>
+          <a:lstStyle/>
+          <a:p>
+            <a:r>
+              <a:rPr lang="zh-CN" altLang="en-US" sz="3200" dirty="0" smtClean="0">
+                <a:solidFill>
+                  <a:srgbClr val="00B0F0"/>
+                </a:solidFill>
+              </a:rPr>
+              <a:t>一、 不幸是谁的错</a:t>
+            </a:r>
+            <a:endParaRPr lang="zh-CN" altLang="en-US" sz="3200" dirty="0">
+              <a:solidFill>
+                <a:schemeClr val="accent4"/>
+              </a:solidFill>
+            </a:endParaRPr>
+          </a:p>
+        </p:txBody>
+      </p:sp>
+      <p:sp>
+        <p:nvSpPr>
+          <p:cNvPr id="5" name="文本框 4"/>
+          <p:cNvSpPr txBox="1"/>
+          <p:nvPr/>
+        </p:nvSpPr>
+        <p:spPr>
+          <a:xfrm>
+            <a:off x="752279" y="1257967"/>
+            <a:ext cx="4312089" cy="400110"/>
+          </a:xfrm>
+          <a:prstGeom prst="rect">
+            <a:avLst/>
+          </a:prstGeom>
+          <a:solidFill>
+            <a:schemeClr val="tx2">
+              <a:lumMod val="40000"/>
+              <a:lumOff val="60000"/>
+            </a:schemeClr>
+          </a:solidFill>
+        </p:spPr>
+        <p:txBody>
+          <a:bodyPr wrap="square" rtlCol="0">
+            <a:spAutoFit/>
+          </a:bodyPr>
+          <a:lstStyle/>
+          <a:p>
+            <a:r>
+              <a:rPr lang="zh-CN" altLang="en-US" sz="2000" dirty="0" smtClean="0">
+                <a:latin typeface="+mn-ea"/>
+              </a:rPr>
+              <a:t>生活方式 </a:t>
+            </a:r>
+            <a:r>
+              <a:rPr lang="en-US" altLang="zh-CN" sz="2000" dirty="0" smtClean="0">
+                <a:latin typeface="+mn-ea"/>
+              </a:rPr>
+              <a:t>——</a:t>
+            </a:r>
+            <a:r>
+              <a:rPr lang="zh-CN" altLang="en-US" sz="2000" dirty="0">
+                <a:latin typeface="+mn-ea"/>
+              </a:rPr>
+              <a:t>思考或行为的倾向</a:t>
+            </a:r>
+          </a:p>
+        </p:txBody>
+      </p:sp>
+      <p:sp>
+        <p:nvSpPr>
+          <p:cNvPr id="2" name="矩形 1"/>
+          <p:cNvSpPr/>
+          <p:nvPr/>
+        </p:nvSpPr>
+        <p:spPr>
+          <a:xfrm>
+            <a:off x="494618" y="3145547"/>
+            <a:ext cx="3185487" cy="369332"/>
+          </a:xfrm>
+          <a:prstGeom prst="rect">
+            <a:avLst/>
+          </a:prstGeom>
+        </p:spPr>
+        <p:txBody>
+          <a:bodyPr wrap="none">
+            <a:spAutoFit/>
+          </a:bodyPr>
+          <a:lstStyle/>
+          <a:p>
+            <a:r>
+              <a:rPr lang="zh-CN" altLang="en-US" dirty="0"/>
+              <a:t>“人的性格或秉性无法改变”</a:t>
+            </a:r>
+          </a:p>
+        </p:txBody>
+      </p:sp>
+      <p:sp>
+        <p:nvSpPr>
+          <p:cNvPr id="3" name="乘号 2"/>
+          <p:cNvSpPr/>
+          <p:nvPr/>
+        </p:nvSpPr>
+        <p:spPr>
+          <a:xfrm>
+            <a:off x="3828422" y="3038733"/>
+            <a:ext cx="512466" cy="582804"/>
+          </a:xfrm>
+          <a:prstGeom prst="mathMultiply">
+            <a:avLst/>
+          </a:prstGeom>
+          <a:solidFill>
+            <a:schemeClr val="accent4"/>
+          </a:solidFill>
+        </p:spPr>
+        <p:style>
+          <a:lnRef idx="2">
+            <a:schemeClr val="accent1">
+              <a:shade val="50000"/>
+            </a:schemeClr>
+          </a:lnRef>
+          <a:fillRef idx="1">
+            <a:schemeClr val="accent1"/>
+          </a:fillRef>
+          <a:effectRef idx="0">
+            <a:schemeClr val="accent1"/>
+          </a:effectRef>
+          <a:fontRef idx="minor">
+            <a:schemeClr val="lt1"/>
+          </a:fontRef>
+        </p:style>
+        <p:txBody>
+          <a:bodyPr rtlCol="0" anchor="ctr"/>
+          <a:lstStyle/>
+          <a:p>
+            <a:pPr algn="ctr"/>
+            <a:endParaRPr lang="zh-CN" altLang="en-US"/>
+          </a:p>
+        </p:txBody>
+      </p:sp>
+      <p:cxnSp>
+        <p:nvCxnSpPr>
+          <p:cNvPr id="13" name="直接箭头连接符 12"/>
+          <p:cNvCxnSpPr/>
+          <p:nvPr/>
+        </p:nvCxnSpPr>
+        <p:spPr>
+          <a:xfrm flipV="1">
+            <a:off x="5341208" y="1075429"/>
+            <a:ext cx="607416" cy="376947"/>
+          </a:xfrm>
+          <a:prstGeom prst="straightConnector1">
+            <a:avLst/>
+          </a:prstGeom>
+          <a:ln w="25400">
+            <a:tailEnd type="triangle"/>
+          </a:ln>
+        </p:spPr>
+        <p:style>
+          <a:lnRef idx="1">
+            <a:schemeClr val="accent1"/>
+          </a:lnRef>
+          <a:fillRef idx="0">
+            <a:schemeClr val="accent1"/>
+          </a:fillRef>
+          <a:effectRef idx="0">
+            <a:schemeClr val="accent1"/>
+          </a:effectRef>
+          <a:fontRef idx="minor">
+            <a:schemeClr val="tx1"/>
+          </a:fontRef>
+        </p:style>
+      </p:cxnSp>
+      <p:cxnSp>
+        <p:nvCxnSpPr>
+          <p:cNvPr id="15" name="直接箭头连接符 14"/>
+          <p:cNvCxnSpPr/>
+          <p:nvPr/>
+        </p:nvCxnSpPr>
+        <p:spPr>
+          <a:xfrm>
+            <a:off x="5341208" y="1458022"/>
+            <a:ext cx="607416" cy="376947"/>
+          </a:xfrm>
+          <a:prstGeom prst="straightConnector1">
+            <a:avLst/>
+          </a:prstGeom>
+          <a:ln w="25400">
+            <a:tailEnd type="triangle"/>
+          </a:ln>
+        </p:spPr>
+        <p:style>
+          <a:lnRef idx="1">
+            <a:schemeClr val="accent1"/>
+          </a:lnRef>
+          <a:fillRef idx="0">
+            <a:schemeClr val="accent1"/>
+          </a:fillRef>
+          <a:effectRef idx="0">
+            <a:schemeClr val="accent1"/>
+          </a:effectRef>
+          <a:fontRef idx="minor">
+            <a:schemeClr val="tx1"/>
+          </a:fontRef>
+        </p:style>
+      </p:cxnSp>
+      <p:sp>
+        <p:nvSpPr>
+          <p:cNvPr id="12" name="矩形 11"/>
+          <p:cNvSpPr/>
+          <p:nvPr/>
+        </p:nvSpPr>
+        <p:spPr>
+          <a:xfrm>
+            <a:off x="6225464" y="927074"/>
+            <a:ext cx="2954655" cy="369332"/>
+          </a:xfrm>
+          <a:prstGeom prst="rect">
+            <a:avLst/>
+          </a:prstGeom>
+        </p:spPr>
+        <p:txBody>
+          <a:bodyPr wrap="none">
+            <a:spAutoFit/>
+          </a:bodyPr>
+          <a:lstStyle/>
+          <a:p>
+            <a:r>
+              <a:rPr lang="zh-CN" altLang="en-US" dirty="0"/>
+              <a:t>狭义上来讲可以理解为性格</a:t>
+            </a:r>
+          </a:p>
+        </p:txBody>
+      </p:sp>
+      <p:sp>
+        <p:nvSpPr>
+          <p:cNvPr id="14" name="矩形 13"/>
+          <p:cNvSpPr/>
+          <p:nvPr/>
+        </p:nvSpPr>
+        <p:spPr>
+          <a:xfrm>
+            <a:off x="6225464" y="1658077"/>
+            <a:ext cx="4108817" cy="369332"/>
+          </a:xfrm>
+          <a:prstGeom prst="rect">
+            <a:avLst/>
+          </a:prstGeom>
+        </p:spPr>
+        <p:txBody>
+          <a:bodyPr wrap="none">
+            <a:spAutoFit/>
+          </a:bodyPr>
+          <a:lstStyle/>
+          <a:p>
+            <a:r>
+              <a:rPr lang="zh-CN" altLang="en-US" dirty="0" smtClean="0"/>
+              <a:t>广义上来讲甚至</a:t>
+            </a:r>
+            <a:r>
+              <a:rPr lang="zh-CN" altLang="en-US" dirty="0"/>
+              <a:t>包含</a:t>
+            </a:r>
+            <a:r>
+              <a:rPr lang="zh-CN" altLang="en-US" dirty="0" smtClean="0"/>
+              <a:t>了世界观</a:t>
+            </a:r>
+            <a:r>
+              <a:rPr lang="zh-CN" altLang="en-US" dirty="0"/>
+              <a:t>或人生观</a:t>
+            </a:r>
+          </a:p>
+        </p:txBody>
+      </p:sp>
+      <p:sp>
+        <p:nvSpPr>
+          <p:cNvPr id="16" name="矩形 15"/>
+          <p:cNvSpPr/>
+          <p:nvPr/>
+        </p:nvSpPr>
+        <p:spPr>
+          <a:xfrm>
+            <a:off x="5944182" y="2975206"/>
+            <a:ext cx="4965233" cy="646331"/>
+          </a:xfrm>
+          <a:prstGeom prst="rect">
+            <a:avLst/>
+          </a:prstGeom>
+        </p:spPr>
+        <p:txBody>
+          <a:bodyPr wrap="square">
+            <a:spAutoFit/>
+          </a:bodyPr>
+          <a:lstStyle/>
+          <a:p>
+            <a:r>
+              <a:rPr lang="zh-CN" altLang="en-US" dirty="0"/>
+              <a:t>性格一词或许会带有“不可改变”这一感觉，但如果是世界观的话，那就有改变的可能性</a:t>
+            </a:r>
+          </a:p>
+        </p:txBody>
+      </p:sp>
+      <p:sp>
+        <p:nvSpPr>
+          <p:cNvPr id="19" name="矩形 18"/>
+          <p:cNvSpPr/>
+          <p:nvPr/>
+        </p:nvSpPr>
+        <p:spPr>
+          <a:xfrm>
+            <a:off x="2439501" y="4276530"/>
+            <a:ext cx="2481208" cy="369332"/>
+          </a:xfrm>
+          <a:prstGeom prst="rect">
+            <a:avLst/>
+          </a:prstGeom>
+        </p:spPr>
+        <p:txBody>
+          <a:bodyPr wrap="square">
+            <a:spAutoFit/>
+          </a:bodyPr>
+          <a:lstStyle/>
+          <a:p>
+            <a:r>
+              <a:rPr lang="zh-CN" altLang="en-US" dirty="0"/>
+              <a:t>“我的性格是悲观的”</a:t>
+            </a:r>
+          </a:p>
+        </p:txBody>
+      </p:sp>
+      <p:sp>
+        <p:nvSpPr>
+          <p:cNvPr id="20" name="矩形 19"/>
+          <p:cNvSpPr/>
+          <p:nvPr/>
+        </p:nvSpPr>
+        <p:spPr>
+          <a:xfrm>
+            <a:off x="2270928" y="5266728"/>
+            <a:ext cx="3011516" cy="369332"/>
+          </a:xfrm>
+          <a:prstGeom prst="rect">
+            <a:avLst/>
+          </a:prstGeom>
+        </p:spPr>
+        <p:txBody>
+          <a:bodyPr wrap="square">
+            <a:spAutoFit/>
+          </a:bodyPr>
+          <a:lstStyle/>
+          <a:p>
+            <a:r>
+              <a:rPr lang="zh-CN" altLang="en-US" dirty="0"/>
+              <a:t>“我具有悲观的‘世界观’”</a:t>
+            </a:r>
+          </a:p>
+        </p:txBody>
+      </p:sp>
+      <p:sp>
+        <p:nvSpPr>
+          <p:cNvPr id="22" name="文本框 21"/>
+          <p:cNvSpPr txBox="1"/>
+          <p:nvPr/>
+        </p:nvSpPr>
+        <p:spPr>
+          <a:xfrm>
+            <a:off x="659980" y="4699745"/>
+            <a:ext cx="1610948" cy="414866"/>
+          </a:xfrm>
+          <a:prstGeom prst="rect">
+            <a:avLst/>
+          </a:prstGeom>
+          <a:solidFill>
+            <a:schemeClr val="tx2">
+              <a:lumMod val="40000"/>
+              <a:lumOff val="60000"/>
+            </a:schemeClr>
+          </a:solidFill>
+        </p:spPr>
+        <p:txBody>
+          <a:bodyPr wrap="square" rtlCol="0">
+            <a:spAutoFit/>
+          </a:bodyPr>
+          <a:lstStyle/>
+          <a:p>
+            <a:r>
+              <a:rPr lang="zh-CN" altLang="en-US" sz="2000" dirty="0" smtClean="0">
+                <a:latin typeface="+mn-ea"/>
+              </a:rPr>
+              <a:t>描述改变下</a:t>
+            </a:r>
+            <a:endParaRPr lang="zh-CN" altLang="en-US" sz="2000" dirty="0">
+              <a:latin typeface="+mn-ea"/>
+            </a:endParaRPr>
+          </a:p>
+        </p:txBody>
+      </p:sp>
+      <p:cxnSp>
+        <p:nvCxnSpPr>
+          <p:cNvPr id="24" name="直接箭头连接符 23"/>
+          <p:cNvCxnSpPr/>
+          <p:nvPr/>
+        </p:nvCxnSpPr>
+        <p:spPr>
+          <a:xfrm>
+            <a:off x="3609767" y="4699745"/>
+            <a:ext cx="0" cy="517308"/>
+          </a:xfrm>
+          <a:prstGeom prst="straightConnector1">
+            <a:avLst/>
+          </a:prstGeom>
+          <a:ln w="25400">
+            <a:tailEnd type="triangle"/>
+          </a:ln>
+        </p:spPr>
+        <p:style>
+          <a:lnRef idx="1">
+            <a:schemeClr val="accent1"/>
+          </a:lnRef>
+          <a:fillRef idx="0">
+            <a:schemeClr val="accent1"/>
+          </a:fillRef>
+          <a:effectRef idx="0">
+            <a:schemeClr val="accent1"/>
+          </a:effectRef>
+          <a:fontRef idx="minor">
+            <a:schemeClr val="tx1"/>
+          </a:fontRef>
+        </p:style>
+      </p:cxnSp>
+      <p:sp>
+        <p:nvSpPr>
+          <p:cNvPr id="27" name="矩形 26"/>
+          <p:cNvSpPr/>
+          <p:nvPr/>
+        </p:nvSpPr>
+        <p:spPr>
+          <a:xfrm>
+            <a:off x="752279" y="1881178"/>
+            <a:ext cx="3416320" cy="369332"/>
+          </a:xfrm>
+          <a:prstGeom prst="rect">
+            <a:avLst/>
+          </a:prstGeom>
+          <a:solidFill>
+            <a:schemeClr val="tx2">
+              <a:lumMod val="40000"/>
+              <a:lumOff val="60000"/>
+            </a:schemeClr>
+          </a:solidFill>
+        </p:spPr>
+        <p:txBody>
+          <a:bodyPr wrap="square" rtlCol="0">
+            <a:spAutoFit/>
+          </a:bodyPr>
+          <a:lstStyle/>
+          <a:p>
+            <a:r>
+              <a:rPr lang="zh-CN" altLang="en-US" dirty="0"/>
+              <a:t>生活方式是自己主动选择的结果</a:t>
+            </a:r>
+          </a:p>
+        </p:txBody>
+      </p:sp>
+      <p:sp>
+        <p:nvSpPr>
+          <p:cNvPr id="28" name="云形标注 27"/>
+          <p:cNvSpPr/>
+          <p:nvPr/>
+        </p:nvSpPr>
+        <p:spPr>
+          <a:xfrm flipV="1">
+            <a:off x="4729021" y="2165420"/>
+            <a:ext cx="2043568" cy="809785"/>
+          </a:xfrm>
+          <a:prstGeom prst="cloudCallout">
+            <a:avLst>
+              <a:gd name="adj1" fmla="val -69977"/>
+              <a:gd name="adj2" fmla="val 60170"/>
+            </a:avLst>
+          </a:prstGeom>
+        </p:spPr>
+        <p:style>
+          <a:lnRef idx="2">
+            <a:schemeClr val="accent1">
+              <a:shade val="50000"/>
+            </a:schemeClr>
+          </a:lnRef>
+          <a:fillRef idx="1">
+            <a:schemeClr val="accent1"/>
+          </a:fillRef>
+          <a:effectRef idx="0">
+            <a:schemeClr val="accent1"/>
+          </a:effectRef>
+          <a:fontRef idx="minor">
+            <a:schemeClr val="lt1"/>
+          </a:fontRef>
+        </p:style>
+        <p:txBody>
+          <a:bodyPr rtlCol="0" anchor="ctr"/>
+          <a:lstStyle/>
+          <a:p>
+            <a:pPr algn="ctr"/>
+            <a:endParaRPr lang="zh-CN" altLang="en-US" dirty="0"/>
+          </a:p>
+        </p:txBody>
+      </p:sp>
+      <p:sp>
+        <p:nvSpPr>
+          <p:cNvPr id="30" name="文本框 29"/>
+          <p:cNvSpPr txBox="1"/>
+          <p:nvPr/>
+        </p:nvSpPr>
+        <p:spPr>
+          <a:xfrm>
+            <a:off x="5064368" y="2278629"/>
+            <a:ext cx="1473003" cy="646331"/>
+          </a:xfrm>
+          <a:prstGeom prst="rect">
+            <a:avLst/>
+          </a:prstGeom>
+          <a:noFill/>
+        </p:spPr>
+        <p:txBody>
+          <a:bodyPr wrap="square" rtlCol="0">
+            <a:spAutoFit/>
+          </a:bodyPr>
+          <a:lstStyle/>
+          <a:p>
+            <a:r>
+              <a:rPr lang="en-US" altLang="zh-CN" dirty="0" smtClean="0">
+                <a:solidFill>
+                  <a:schemeClr val="bg1"/>
+                </a:solidFill>
+              </a:rPr>
+              <a:t>10</a:t>
+            </a:r>
+            <a:r>
+              <a:rPr lang="zh-CN" altLang="en-US" dirty="0" smtClean="0">
+                <a:solidFill>
+                  <a:schemeClr val="bg1"/>
+                </a:solidFill>
+              </a:rPr>
+              <a:t>岁左右</a:t>
+            </a:r>
+            <a:r>
+              <a:rPr lang="zh-CN" altLang="en-US" dirty="0">
+                <a:solidFill>
+                  <a:schemeClr val="bg1"/>
+                </a:solidFill>
+              </a:rPr>
+              <a:t>做</a:t>
+            </a:r>
+            <a:r>
+              <a:rPr lang="zh-CN" altLang="en-US" dirty="0" smtClean="0">
+                <a:solidFill>
+                  <a:schemeClr val="bg1"/>
+                </a:solidFill>
+              </a:rPr>
+              <a:t>了“</a:t>
+            </a:r>
+            <a:r>
+              <a:rPr lang="zh-CN" altLang="en-US" dirty="0">
+                <a:solidFill>
+                  <a:schemeClr val="bg1"/>
+                </a:solidFill>
+              </a:rPr>
+              <a:t>选择</a:t>
+            </a:r>
+            <a:r>
+              <a:rPr lang="zh-CN" altLang="en-US" dirty="0" smtClean="0">
+                <a:solidFill>
+                  <a:schemeClr val="bg1"/>
+                </a:solidFill>
+              </a:rPr>
+              <a:t>”</a:t>
+            </a:r>
+            <a:endParaRPr lang="zh-CN" altLang="en-US" dirty="0">
+              <a:solidFill>
+                <a:schemeClr val="bg1"/>
+              </a:solidFill>
+            </a:endParaRPr>
+          </a:p>
+        </p:txBody>
+      </p:sp>
+      <p:sp>
+        <p:nvSpPr>
+          <p:cNvPr id="31" name="矩形 30"/>
+          <p:cNvSpPr/>
+          <p:nvPr/>
+        </p:nvSpPr>
+        <p:spPr>
+          <a:xfrm>
+            <a:off x="8426798" y="4070183"/>
+            <a:ext cx="3470787" cy="646331"/>
+          </a:xfrm>
+          <a:prstGeom prst="rect">
+            <a:avLst/>
+          </a:prstGeom>
+        </p:spPr>
+        <p:txBody>
+          <a:bodyPr wrap="square">
+            <a:spAutoFit/>
+          </a:bodyPr>
+          <a:lstStyle/>
+          <a:p>
+            <a:r>
+              <a:rPr lang="zh-CN" altLang="en-US" dirty="0"/>
+              <a:t>即使人们有各种不满，但还是认为保持现状更加轻松、更能安心</a:t>
+            </a:r>
+          </a:p>
+        </p:txBody>
+      </p:sp>
+      <p:sp>
+        <p:nvSpPr>
+          <p:cNvPr id="32" name="矩形 31"/>
+          <p:cNvSpPr/>
+          <p:nvPr/>
+        </p:nvSpPr>
+        <p:spPr>
+          <a:xfrm>
+            <a:off x="5526094" y="4716514"/>
+            <a:ext cx="2492990" cy="369332"/>
+          </a:xfrm>
+          <a:prstGeom prst="rect">
+            <a:avLst/>
+          </a:prstGeom>
+          <a:solidFill>
+            <a:schemeClr val="tx2">
+              <a:lumMod val="40000"/>
+              <a:lumOff val="60000"/>
+            </a:schemeClr>
+          </a:solidFill>
+        </p:spPr>
+        <p:txBody>
+          <a:bodyPr wrap="square" rtlCol="0">
+            <a:spAutoFit/>
+          </a:bodyPr>
+          <a:lstStyle/>
+          <a:p>
+            <a:r>
+              <a:rPr lang="zh-CN" altLang="en-US" dirty="0"/>
+              <a:t>想要改变但又害怕改变</a:t>
+            </a:r>
+          </a:p>
+        </p:txBody>
+      </p:sp>
+      <p:sp>
+        <p:nvSpPr>
+          <p:cNvPr id="33" name="矩形 32"/>
+          <p:cNvSpPr/>
+          <p:nvPr/>
+        </p:nvSpPr>
+        <p:spPr>
+          <a:xfrm>
+            <a:off x="8426798" y="5259423"/>
+            <a:ext cx="3647152" cy="369332"/>
+          </a:xfrm>
+          <a:prstGeom prst="rect">
+            <a:avLst/>
+          </a:prstGeom>
+        </p:spPr>
+        <p:txBody>
+          <a:bodyPr wrap="none">
+            <a:spAutoFit/>
+          </a:bodyPr>
+          <a:lstStyle/>
+          <a:p>
+            <a:r>
+              <a:rPr lang="zh-CN" altLang="en-US" dirty="0"/>
+              <a:t>改变生活方式需要很大的“勇气”</a:t>
+            </a:r>
+          </a:p>
+        </p:txBody>
+      </p:sp>
+      <p:sp>
+        <p:nvSpPr>
+          <p:cNvPr id="34" name="左中括号 33"/>
+          <p:cNvSpPr/>
+          <p:nvPr/>
+        </p:nvSpPr>
+        <p:spPr>
+          <a:xfrm>
+            <a:off x="8189437" y="4388714"/>
+            <a:ext cx="180870" cy="1024931"/>
+          </a:xfrm>
+          <a:prstGeom prst="leftBracket">
+            <a:avLst/>
+          </a:prstGeom>
+          <a:ln w="25400"/>
+        </p:spPr>
+        <p:style>
+          <a:lnRef idx="1">
+            <a:schemeClr val="accent1"/>
+          </a:lnRef>
+          <a:fillRef idx="0">
+            <a:schemeClr val="accent1"/>
+          </a:fillRef>
+          <a:effectRef idx="0">
+            <a:schemeClr val="accent1"/>
+          </a:effectRef>
+          <a:fontRef idx="minor">
+            <a:schemeClr val="tx1"/>
+          </a:fontRef>
+        </p:style>
+        <p:txBody>
+          <a:bodyPr rtlCol="0" anchor="ctr"/>
+          <a:lstStyle/>
+          <a:p>
+            <a:pPr algn="ctr"/>
+            <a:endParaRPr lang="zh-CN" altLang="en-US"/>
+          </a:p>
+        </p:txBody>
+      </p:sp>
+      <p:sp>
+        <p:nvSpPr>
+          <p:cNvPr id="35" name="矩形 34"/>
+          <p:cNvSpPr/>
+          <p:nvPr/>
+        </p:nvSpPr>
+        <p:spPr>
+          <a:xfrm>
+            <a:off x="5526094" y="6273157"/>
+            <a:ext cx="3416320" cy="369332"/>
+          </a:xfrm>
+          <a:prstGeom prst="rect">
+            <a:avLst/>
+          </a:prstGeom>
+          <a:solidFill>
+            <a:schemeClr val="tx2">
+              <a:lumMod val="40000"/>
+              <a:lumOff val="60000"/>
+            </a:schemeClr>
+          </a:solidFill>
+        </p:spPr>
+        <p:txBody>
+          <a:bodyPr wrap="square" rtlCol="0">
+            <a:spAutoFit/>
+          </a:bodyPr>
+          <a:lstStyle/>
+          <a:p>
+            <a:r>
+              <a:rPr lang="zh-CN" altLang="en-US" dirty="0"/>
+              <a:t>也就是缺乏“获得幸福的勇气”</a:t>
+            </a:r>
+          </a:p>
+        </p:txBody>
+      </p:sp>
+      <p:sp>
+        <p:nvSpPr>
+          <p:cNvPr id="36" name="右箭头 35"/>
+          <p:cNvSpPr/>
+          <p:nvPr/>
+        </p:nvSpPr>
+        <p:spPr>
+          <a:xfrm rot="16200000">
+            <a:off x="6458833" y="5459681"/>
+            <a:ext cx="627512" cy="352758"/>
+          </a:xfrm>
+          <a:prstGeom prst="rightArrow">
+            <a:avLst/>
+          </a:prstGeom>
+          <a:solidFill>
+            <a:schemeClr val="accent4"/>
+          </a:solidFill>
+        </p:spPr>
+        <p:style>
+          <a:lnRef idx="2">
+            <a:schemeClr val="accent1">
+              <a:shade val="50000"/>
+            </a:schemeClr>
+          </a:lnRef>
+          <a:fillRef idx="1">
+            <a:schemeClr val="accent1"/>
+          </a:fillRef>
+          <a:effectRef idx="0">
+            <a:schemeClr val="accent1"/>
+          </a:effectRef>
+          <a:fontRef idx="minor">
+            <a:schemeClr val="lt1"/>
+          </a:fontRef>
+        </p:style>
+        <p:txBody>
+          <a:bodyPr rtlCol="0" anchor="ctr"/>
+          <a:lstStyle/>
+          <a:p>
+            <a:pPr algn="ctr"/>
+            <a:endParaRPr lang="zh-CN" altLang="en-US"/>
+          </a:p>
+        </p:txBody>
+      </p:sp>
+    </p:spTree>
+    <p:extLst>
+      <p:ext uri="{BB962C8B-B14F-4D97-AF65-F5344CB8AC3E}">
+        <p14:creationId xmlns:p14="http://schemas.microsoft.com/office/powerpoint/2010/main" val="4275739752"/>
       </p:ext>
     </p:extLst>
   </p:cSld>

--- a/PPT/被讨厌的勇气.pptx
+++ b/PPT/被讨厌的勇气.pptx
@@ -5,10 +5,10 @@
     <p:sldMasterId id="2147483648" r:id="rId1"/>
   </p:sldMasterIdLst>
   <p:notesMasterIdLst>
-    <p:notesMasterId r:id="rId8"/>
+    <p:notesMasterId r:id="rId9"/>
   </p:notesMasterIdLst>
   <p:handoutMasterIdLst>
-    <p:handoutMasterId r:id="rId9"/>
+    <p:handoutMasterId r:id="rId10"/>
   </p:handoutMasterIdLst>
   <p:sldIdLst>
     <p:sldId id="256" r:id="rId2"/>
@@ -17,11 +17,12 @@
     <p:sldId id="259" r:id="rId5"/>
     <p:sldId id="260" r:id="rId6"/>
     <p:sldId id="261" r:id="rId7"/>
+    <p:sldId id="262" r:id="rId8"/>
   </p:sldIdLst>
   <p:sldSz cx="12192000" cy="6858000"/>
   <p:notesSz cx="6858000" cy="9144000"/>
   <p:custDataLst>
-    <p:tags r:id="rId10"/>
+    <p:tags r:id="rId11"/>
   </p:custDataLst>
   <p:defaultTextStyle>
     <a:defPPr>
@@ -4488,6 +4489,40 @@
           </a:p>
         </p:txBody>
       </p:sp>
+      <p:sp>
+        <p:nvSpPr>
+          <p:cNvPr id="24" name="矩形 23"/>
+          <p:cNvSpPr/>
+          <p:nvPr/>
+        </p:nvSpPr>
+        <p:spPr>
+          <a:xfrm>
+            <a:off x="3546088" y="5906211"/>
+            <a:ext cx="3678677" cy="655363"/>
+          </a:xfrm>
+          <a:prstGeom prst="rect">
+            <a:avLst/>
+          </a:prstGeom>
+          <a:solidFill>
+            <a:schemeClr val="tx2">
+              <a:lumMod val="40000"/>
+              <a:lumOff val="60000"/>
+            </a:schemeClr>
+          </a:solidFill>
+        </p:spPr>
+        <p:txBody>
+          <a:bodyPr wrap="square" rtlCol="0">
+            <a:spAutoFit/>
+          </a:bodyPr>
+          <a:lstStyle/>
+          <a:p>
+            <a:r>
+              <a:rPr lang="zh-CN" altLang="en-US" dirty="0"/>
+              <a:t>“无论之前的人生发生过什么，都对今后的人生如何度过没有影响。”</a:t>
+            </a:r>
+          </a:p>
+        </p:txBody>
+      </p:sp>
     </p:spTree>
     <p:custDataLst>
       <p:tags r:id="rId2"/>
@@ -4969,6 +5004,91 @@
           <a:p>
             <a:pPr algn="ctr"/>
             <a:endParaRPr lang="zh-CN" altLang="en-US"/>
+          </a:p>
+        </p:txBody>
+      </p:sp>
+      <p:sp>
+        <p:nvSpPr>
+          <p:cNvPr id="20" name="矩形 19"/>
+          <p:cNvSpPr/>
+          <p:nvPr/>
+        </p:nvSpPr>
+        <p:spPr>
+          <a:xfrm>
+            <a:off x="7195971" y="6223574"/>
+            <a:ext cx="3416320" cy="369332"/>
+          </a:xfrm>
+          <a:prstGeom prst="rect">
+            <a:avLst/>
+          </a:prstGeom>
+        </p:spPr>
+        <p:txBody>
+          <a:bodyPr wrap="none">
+            <a:spAutoFit/>
+          </a:bodyPr>
+          <a:lstStyle/>
+          <a:p>
+            <a:r>
+              <a:rPr lang="zh-CN" altLang="en-US" dirty="0" smtClean="0"/>
+              <a:t>不喜欢自己，只看到自己的缺点</a:t>
+            </a:r>
+            <a:endParaRPr lang="zh-CN" altLang="en-US" dirty="0"/>
+          </a:p>
+        </p:txBody>
+      </p:sp>
+      <p:sp>
+        <p:nvSpPr>
+          <p:cNvPr id="21" name="矩形 20"/>
+          <p:cNvSpPr/>
+          <p:nvPr/>
+        </p:nvSpPr>
+        <p:spPr>
+          <a:xfrm>
+            <a:off x="7164475" y="5598648"/>
+            <a:ext cx="3488769" cy="646331"/>
+          </a:xfrm>
+          <a:prstGeom prst="rect">
+            <a:avLst/>
+          </a:prstGeom>
+        </p:spPr>
+        <p:txBody>
+          <a:bodyPr wrap="square">
+            <a:spAutoFit/>
+          </a:bodyPr>
+          <a:lstStyle/>
+          <a:p>
+            <a:r>
+              <a:rPr lang="zh-CN" altLang="en-US" dirty="0"/>
+              <a:t>万一遭到别人的拒绝，还可以以此为理由来安慰自己</a:t>
+            </a:r>
+          </a:p>
+        </p:txBody>
+      </p:sp>
+      <p:sp>
+        <p:nvSpPr>
+          <p:cNvPr id="22" name="矩形 21"/>
+          <p:cNvSpPr/>
+          <p:nvPr/>
+        </p:nvSpPr>
+        <p:spPr>
+          <a:xfrm>
+            <a:off x="3318627" y="5865168"/>
+            <a:ext cx="3536372" cy="646331"/>
+          </a:xfrm>
+          <a:prstGeom prst="rect">
+            <a:avLst/>
+          </a:prstGeom>
+        </p:spPr>
+        <p:txBody>
+          <a:bodyPr wrap="square">
+            <a:spAutoFit/>
+          </a:bodyPr>
+          <a:lstStyle/>
+          <a:p>
+            <a:r>
+              <a:rPr lang="zh-CN" altLang="en-US" dirty="0"/>
+              <a:t>困扰我们的自卑感不是“客观性的事实”而是“主观性的解释”</a:t>
+            </a:r>
           </a:p>
         </p:txBody>
       </p:sp>
@@ -6156,6 +6276,346 @@
     <p:extLst>
       <p:ext uri="{BB962C8B-B14F-4D97-AF65-F5344CB8AC3E}">
         <p14:creationId xmlns:p14="http://schemas.microsoft.com/office/powerpoint/2010/main" val="4275739752"/>
+      </p:ext>
+    </p:extLst>
+  </p:cSld>
+  <p:clrMapOvr>
+    <a:masterClrMapping/>
+  </p:clrMapOvr>
+</p:sld>
+</file>
+
+<file path=ppt/slides/slide7.xml><?xml version="1.0" encoding="utf-8"?>
+<p:sld xmlns:a="http://schemas.openxmlformats.org/drawingml/2006/main" xmlns:r="http://schemas.openxmlformats.org/officeDocument/2006/relationships" xmlns:p="http://schemas.openxmlformats.org/presentationml/2006/main">
+  <p:cSld>
+    <p:spTree>
+      <p:nvGrpSpPr>
+        <p:cNvPr id="1" name=""/>
+        <p:cNvGrpSpPr/>
+        <p:nvPr/>
+      </p:nvGrpSpPr>
+      <p:grpSpPr>
+        <a:xfrm>
+          <a:off x="0" y="0"/>
+          <a:ext cx="0" cy="0"/>
+          <a:chOff x="0" y="0"/>
+          <a:chExt cx="0" cy="0"/>
+        </a:xfrm>
+      </p:grpSpPr>
+      <p:sp>
+        <p:nvSpPr>
+          <p:cNvPr id="2" name="矩形 1"/>
+          <p:cNvSpPr/>
+          <p:nvPr/>
+        </p:nvSpPr>
+        <p:spPr>
+          <a:xfrm>
+            <a:off x="961072" y="1204519"/>
+            <a:ext cx="3262432" cy="400110"/>
+          </a:xfrm>
+          <a:prstGeom prst="rect">
+            <a:avLst/>
+          </a:prstGeom>
+          <a:solidFill>
+            <a:schemeClr val="tx2">
+              <a:lumMod val="40000"/>
+              <a:lumOff val="60000"/>
+            </a:schemeClr>
+          </a:solidFill>
+        </p:spPr>
+        <p:txBody>
+          <a:bodyPr wrap="square" rtlCol="0">
+            <a:spAutoFit/>
+          </a:bodyPr>
+          <a:lstStyle/>
+          <a:p>
+            <a:r>
+              <a:rPr lang="zh-CN" altLang="en-US" sz="2000" dirty="0">
+                <a:latin typeface="+mn-ea"/>
+              </a:rPr>
+              <a:t>“怎样才能改变生活方式”</a:t>
+            </a:r>
+          </a:p>
+        </p:txBody>
+      </p:sp>
+      <p:sp>
+        <p:nvSpPr>
+          <p:cNvPr id="3" name="文本框 2"/>
+          <p:cNvSpPr txBox="1"/>
+          <p:nvPr/>
+        </p:nvSpPr>
+        <p:spPr>
+          <a:xfrm>
+            <a:off x="167268" y="490654"/>
+            <a:ext cx="9400478" cy="584775"/>
+          </a:xfrm>
+          <a:prstGeom prst="rect">
+            <a:avLst/>
+          </a:prstGeom>
+          <a:noFill/>
+        </p:spPr>
+        <p:txBody>
+          <a:bodyPr wrap="square" rtlCol="0">
+            <a:spAutoFit/>
+          </a:bodyPr>
+          <a:lstStyle/>
+          <a:p>
+            <a:r>
+              <a:rPr lang="zh-CN" altLang="en-US" sz="3200" dirty="0" smtClean="0">
+                <a:solidFill>
+                  <a:srgbClr val="00B0F0"/>
+                </a:solidFill>
+              </a:rPr>
+              <a:t>一、 不幸是谁的错</a:t>
+            </a:r>
+            <a:endParaRPr lang="zh-CN" altLang="en-US" sz="3200" dirty="0">
+              <a:solidFill>
+                <a:schemeClr val="accent4"/>
+              </a:solidFill>
+            </a:endParaRPr>
+          </a:p>
+        </p:txBody>
+      </p:sp>
+      <p:sp>
+        <p:nvSpPr>
+          <p:cNvPr id="4" name="矩形 3"/>
+          <p:cNvSpPr/>
+          <p:nvPr/>
+        </p:nvSpPr>
+        <p:spPr>
+          <a:xfrm>
+            <a:off x="5171890" y="955308"/>
+            <a:ext cx="4339650" cy="369332"/>
+          </a:xfrm>
+          <a:prstGeom prst="rect">
+            <a:avLst/>
+          </a:prstGeom>
+        </p:spPr>
+        <p:txBody>
+          <a:bodyPr wrap="none">
+            <a:spAutoFit/>
+          </a:bodyPr>
+          <a:lstStyle/>
+          <a:p>
+            <a:r>
+              <a:rPr lang="zh-CN" altLang="en-US" dirty="0" smtClean="0"/>
+              <a:t>首先要</a:t>
+            </a:r>
+            <a:r>
+              <a:rPr lang="zh-CN" altLang="en-US" dirty="0"/>
+              <a:t>有“摈弃现在的生活方式”的决心</a:t>
+            </a:r>
+          </a:p>
+        </p:txBody>
+      </p:sp>
+      <p:sp>
+        <p:nvSpPr>
+          <p:cNvPr id="5" name="矩形 4"/>
+          <p:cNvSpPr/>
+          <p:nvPr/>
+        </p:nvSpPr>
+        <p:spPr>
+          <a:xfrm>
+            <a:off x="1090818" y="2239499"/>
+            <a:ext cx="4262705" cy="369332"/>
+          </a:xfrm>
+          <a:prstGeom prst="rect">
+            <a:avLst/>
+          </a:prstGeom>
+        </p:spPr>
+        <p:txBody>
+          <a:bodyPr wrap="none">
+            <a:spAutoFit/>
+          </a:bodyPr>
+          <a:lstStyle/>
+          <a:p>
+            <a:r>
+              <a:rPr lang="zh-CN" altLang="en-US" dirty="0"/>
+              <a:t>“如果可以变成Y那样的人就能够幸福”</a:t>
+            </a:r>
+          </a:p>
+        </p:txBody>
+      </p:sp>
+      <p:sp>
+        <p:nvSpPr>
+          <p:cNvPr id="6" name="圆角矩形 5"/>
+          <p:cNvSpPr/>
+          <p:nvPr/>
+        </p:nvSpPr>
+        <p:spPr>
+          <a:xfrm>
+            <a:off x="5795651" y="2167290"/>
+            <a:ext cx="1800903" cy="441541"/>
+          </a:xfrm>
+          <a:prstGeom prst="roundRect">
+            <a:avLst/>
+          </a:prstGeom>
+        </p:spPr>
+        <p:style>
+          <a:lnRef idx="2">
+            <a:schemeClr val="accent1">
+              <a:shade val="50000"/>
+            </a:schemeClr>
+          </a:lnRef>
+          <a:fillRef idx="1">
+            <a:schemeClr val="accent1"/>
+          </a:fillRef>
+          <a:effectRef idx="0">
+            <a:schemeClr val="accent1"/>
+          </a:effectRef>
+          <a:fontRef idx="minor">
+            <a:schemeClr val="lt1"/>
+          </a:fontRef>
+        </p:style>
+        <p:txBody>
+          <a:bodyPr rtlCol="0" anchor="ctr"/>
+          <a:lstStyle/>
+          <a:p>
+            <a:pPr algn="ctr"/>
+            <a:r>
+              <a:rPr lang="zh-CN" altLang="en-US" dirty="0" smtClean="0"/>
+              <a:t>不改变的借口</a:t>
+            </a:r>
+            <a:endParaRPr lang="zh-CN" altLang="en-US" dirty="0"/>
+          </a:p>
+        </p:txBody>
+      </p:sp>
+      <p:sp>
+        <p:nvSpPr>
+          <p:cNvPr id="7" name="矩形 6"/>
+          <p:cNvSpPr/>
+          <p:nvPr/>
+        </p:nvSpPr>
+        <p:spPr>
+          <a:xfrm>
+            <a:off x="1442341" y="3808070"/>
+            <a:ext cx="2868401" cy="646331"/>
+          </a:xfrm>
+          <a:prstGeom prst="rect">
+            <a:avLst/>
+          </a:prstGeom>
+        </p:spPr>
+        <p:txBody>
+          <a:bodyPr wrap="square">
+            <a:spAutoFit/>
+          </a:bodyPr>
+          <a:lstStyle/>
+          <a:p>
+            <a:r>
+              <a:rPr lang="zh-CN" altLang="en-US" dirty="0" smtClean="0"/>
+              <a:t>案例：梦想</a:t>
+            </a:r>
+            <a:r>
+              <a:rPr lang="zh-CN" altLang="en-US" dirty="0"/>
+              <a:t>着成为小说家，但却总是写不出作品</a:t>
+            </a:r>
+          </a:p>
+        </p:txBody>
+      </p:sp>
+      <p:sp>
+        <p:nvSpPr>
+          <p:cNvPr id="8" name="矩形 7"/>
+          <p:cNvSpPr/>
+          <p:nvPr/>
+        </p:nvSpPr>
+        <p:spPr>
+          <a:xfrm>
+            <a:off x="5529943" y="3696997"/>
+            <a:ext cx="6096000" cy="923330"/>
+          </a:xfrm>
+          <a:prstGeom prst="rect">
+            <a:avLst/>
+          </a:prstGeom>
+        </p:spPr>
+        <p:txBody>
+          <a:bodyPr>
+            <a:spAutoFit/>
+          </a:bodyPr>
+          <a:lstStyle/>
+          <a:p>
+            <a:r>
+              <a:rPr lang="zh-CN" altLang="en-US" dirty="0"/>
+              <a:t>他是想通过不去比赛这一方式来保留一种“如果做的话我也可以”的可能性，即不愿出去被人评价，更不愿去面对因作品拙劣而落选的现实</a:t>
+            </a:r>
+          </a:p>
+        </p:txBody>
+      </p:sp>
+      <p:sp>
+        <p:nvSpPr>
+          <p:cNvPr id="9" name="圆角矩形 8"/>
+          <p:cNvSpPr/>
+          <p:nvPr/>
+        </p:nvSpPr>
+        <p:spPr>
+          <a:xfrm>
+            <a:off x="863585" y="5653640"/>
+            <a:ext cx="1800903" cy="441541"/>
+          </a:xfrm>
+          <a:prstGeom prst="roundRect">
+            <a:avLst/>
+          </a:prstGeom>
+        </p:spPr>
+        <p:style>
+          <a:lnRef idx="2">
+            <a:schemeClr val="accent1">
+              <a:shade val="50000"/>
+            </a:schemeClr>
+          </a:lnRef>
+          <a:fillRef idx="1">
+            <a:schemeClr val="accent1"/>
+          </a:fillRef>
+          <a:effectRef idx="0">
+            <a:schemeClr val="accent1"/>
+          </a:effectRef>
+          <a:fontRef idx="minor">
+            <a:schemeClr val="lt1"/>
+          </a:fontRef>
+        </p:style>
+        <p:txBody>
+          <a:bodyPr rtlCol="0" anchor="ctr"/>
+          <a:lstStyle/>
+          <a:p>
+            <a:pPr algn="ctr"/>
+            <a:r>
+              <a:rPr lang="zh-CN" altLang="en-US" dirty="0" smtClean="0"/>
+              <a:t>重新选择</a:t>
+            </a:r>
+            <a:endParaRPr lang="zh-CN" altLang="en-US" dirty="0"/>
+          </a:p>
+        </p:txBody>
+      </p:sp>
+      <p:sp>
+        <p:nvSpPr>
+          <p:cNvPr id="10" name="矩形 9"/>
+          <p:cNvSpPr/>
+          <p:nvPr/>
+        </p:nvSpPr>
+        <p:spPr>
+          <a:xfrm>
+            <a:off x="3348314" y="6095181"/>
+            <a:ext cx="3647152" cy="369332"/>
+          </a:xfrm>
+          <a:prstGeom prst="rect">
+            <a:avLst/>
+          </a:prstGeom>
+        </p:spPr>
+        <p:txBody>
+          <a:bodyPr wrap="none">
+            <a:spAutoFit/>
+          </a:bodyPr>
+          <a:lstStyle/>
+          <a:p>
+            <a:r>
+              <a:rPr lang="zh-CN" altLang="en-US" dirty="0"/>
+              <a:t>自己的身高也还可以成为一种优点</a:t>
+            </a:r>
+          </a:p>
+        </p:txBody>
+      </p:sp>
+    </p:spTree>
+    <p:extLst>
+      <p:ext uri="{BB962C8B-B14F-4D97-AF65-F5344CB8AC3E}">
+        <p14:creationId xmlns:p14="http://schemas.microsoft.com/office/powerpoint/2010/main" val="2985595861"/>
       </p:ext>
     </p:extLst>
   </p:cSld>
